--- a/Diagramme de classe/L5 - Associations/L5 - Associations.pptx
+++ b/Diagramme de classe/L5 - Associations/L5 - Associations.pptx
@@ -5,16 +5,19 @@
     <p:sldMasterId id="2147483648" r:id="rId1"/>
   </p:sldMasterIdLst>
   <p:notesMasterIdLst>
-    <p:notesMasterId r:id="rId9"/>
+    <p:notesMasterId r:id="rId12"/>
   </p:notesMasterIdLst>
   <p:sldIdLst>
     <p:sldId id="256" r:id="rId2"/>
     <p:sldId id="257" r:id="rId3"/>
     <p:sldId id="261" r:id="rId4"/>
-    <p:sldId id="265" r:id="rId5"/>
-    <p:sldId id="266" r:id="rId6"/>
-    <p:sldId id="267" r:id="rId7"/>
-    <p:sldId id="264" r:id="rId8"/>
+    <p:sldId id="268" r:id="rId5"/>
+    <p:sldId id="267" r:id="rId6"/>
+    <p:sldId id="269" r:id="rId7"/>
+    <p:sldId id="266" r:id="rId8"/>
+    <p:sldId id="270" r:id="rId9"/>
+    <p:sldId id="264" r:id="rId10"/>
+    <p:sldId id="265" r:id="rId11"/>
   </p:sldIdLst>
   <p:sldSz cx="9144000" cy="6858000" type="screen4x3"/>
   <p:notesSz cx="6858000" cy="9144000"/>
@@ -617,6 +620,87 @@
             <a:fld id="{1DCE5F11-534C-45A7-8A38-E52E47A254FF}" type="slidenum">
               <a:rPr lang="fr-CH" smtClean="0"/>
               <a:t>4</a:t>
+            </a:fld>
+            <a:endParaRPr lang="fr-CH"/>
+          </a:p>
+        </p:txBody>
+      </p:sp>
+    </p:spTree>
+  </p:cSld>
+  <p:clrMapOvr>
+    <a:masterClrMapping/>
+  </p:clrMapOvr>
+</p:notes>
+</file>
+
+<file path=ppt/notesSlides/notesSlide3.xml><?xml version="1.0" encoding="utf-8"?>
+<p:notes xmlns:a="http://schemas.openxmlformats.org/drawingml/2006/main" xmlns:r="http://schemas.openxmlformats.org/officeDocument/2006/relationships" xmlns:p="http://schemas.openxmlformats.org/presentationml/2006/main">
+  <p:cSld>
+    <p:spTree>
+      <p:nvGrpSpPr>
+        <p:cNvPr id="1" name=""/>
+        <p:cNvGrpSpPr/>
+        <p:nvPr/>
+      </p:nvGrpSpPr>
+      <p:grpSpPr>
+        <a:xfrm>
+          <a:off x="0" y="0"/>
+          <a:ext cx="0" cy="0"/>
+          <a:chOff x="0" y="0"/>
+          <a:chExt cx="0" cy="0"/>
+        </a:xfrm>
+      </p:grpSpPr>
+      <p:sp>
+        <p:nvSpPr>
+          <p:cNvPr id="2" name="Espace réservé de l'image des diapositives 1"/>
+          <p:cNvSpPr>
+            <a:spLocks noGrp="1" noRot="1" noChangeAspect="1"/>
+          </p:cNvSpPr>
+          <p:nvPr>
+            <p:ph type="sldImg"/>
+          </p:nvPr>
+        </p:nvSpPr>
+        <p:spPr/>
+      </p:sp>
+      <p:sp>
+        <p:nvSpPr>
+          <p:cNvPr id="3" name="Espace réservé des commentaires 2"/>
+          <p:cNvSpPr>
+            <a:spLocks noGrp="1"/>
+          </p:cNvSpPr>
+          <p:nvPr>
+            <p:ph type="body" idx="1"/>
+          </p:nvPr>
+        </p:nvSpPr>
+        <p:spPr/>
+        <p:txBody>
+          <a:bodyPr>
+            <a:normAutofit/>
+          </a:bodyPr>
+          <a:lstStyle/>
+          <a:p>
+            <a:endParaRPr lang="fr-CH" dirty="0"/>
+          </a:p>
+        </p:txBody>
+      </p:sp>
+      <p:sp>
+        <p:nvSpPr>
+          <p:cNvPr id="4" name="Espace réservé du numéro de diapositive 3"/>
+          <p:cNvSpPr>
+            <a:spLocks noGrp="1"/>
+          </p:cNvSpPr>
+          <p:nvPr>
+            <p:ph type="sldNum" sz="quarter" idx="10"/>
+          </p:nvPr>
+        </p:nvSpPr>
+        <p:spPr/>
+        <p:txBody>
+          <a:bodyPr/>
+          <a:lstStyle/>
+          <a:p>
+            <a:fld id="{1DCE5F11-534C-45A7-8A38-E52E47A254FF}" type="slidenum">
+              <a:rPr lang="fr-CH" smtClean="0"/>
+              <a:t>10</a:t>
             </a:fld>
             <a:endParaRPr lang="fr-CH"/>
           </a:p>
@@ -3655,6 +3739,102 @@
 </p:sld>
 </file>
 
+<file path=ppt/slides/slide10.xml><?xml version="1.0" encoding="utf-8"?>
+<p:sld xmlns:a="http://schemas.openxmlformats.org/drawingml/2006/main" xmlns:r="http://schemas.openxmlformats.org/officeDocument/2006/relationships" xmlns:p="http://schemas.openxmlformats.org/presentationml/2006/main">
+  <p:cSld>
+    <p:spTree>
+      <p:nvGrpSpPr>
+        <p:cNvPr id="1" name=""/>
+        <p:cNvGrpSpPr/>
+        <p:nvPr/>
+      </p:nvGrpSpPr>
+      <p:grpSpPr>
+        <a:xfrm>
+          <a:off x="0" y="0"/>
+          <a:ext cx="0" cy="0"/>
+          <a:chOff x="0" y="0"/>
+          <a:chExt cx="0" cy="0"/>
+        </a:xfrm>
+      </p:grpSpPr>
+      <p:sp>
+        <p:nvSpPr>
+          <p:cNvPr id="2" name="Titre 1"/>
+          <p:cNvSpPr>
+            <a:spLocks noGrp="1"/>
+          </p:cNvSpPr>
+          <p:nvPr>
+            <p:ph type="title"/>
+          </p:nvPr>
+        </p:nvSpPr>
+        <p:spPr/>
+        <p:txBody>
+          <a:bodyPr>
+            <a:normAutofit/>
+          </a:bodyPr>
+          <a:lstStyle/>
+          <a:p>
+            <a:r>
+              <a:rPr lang="fr-CH" dirty="0" smtClean="0"/>
+              <a:t>Association bidirectionnelle</a:t>
+            </a:r>
+            <a:endParaRPr lang="fr-CH" dirty="0"/>
+          </a:p>
+        </p:txBody>
+      </p:sp>
+      <p:sp>
+        <p:nvSpPr>
+          <p:cNvPr id="3" name="Espace réservé du contenu 2"/>
+          <p:cNvSpPr>
+            <a:spLocks noGrp="1"/>
+          </p:cNvSpPr>
+          <p:nvPr>
+            <p:ph idx="1"/>
+          </p:nvPr>
+        </p:nvSpPr>
+        <p:spPr>
+          <a:xfrm>
+            <a:off x="539552" y="4365104"/>
+            <a:ext cx="8229600" cy="2143140"/>
+          </a:xfrm>
+        </p:spPr>
+        <p:txBody>
+          <a:bodyPr>
+            <a:normAutofit/>
+          </a:bodyPr>
+          <a:lstStyle/>
+          <a:p>
+            <a:r>
+              <a:rPr lang="fr-FR" dirty="0" smtClean="0"/>
+              <a:t>Non trivial</a:t>
+            </a:r>
+            <a:r>
+              <a:rPr lang="fr-CH" dirty="0" smtClean="0"/>
+              <a:t>: traité éventuellement plus tard</a:t>
+            </a:r>
+            <a:endParaRPr lang="fr-FR" dirty="0" smtClean="0"/>
+          </a:p>
+        </p:txBody>
+      </p:sp>
+    </p:spTree>
+    <p:extLst>
+      <p:ext uri="{BB962C8B-B14F-4D97-AF65-F5344CB8AC3E}">
+        <p14:creationId xmlns:p14="http://schemas.microsoft.com/office/powerpoint/2010/main" val="3454316753"/>
+      </p:ext>
+    </p:extLst>
+  </p:cSld>
+  <p:clrMapOvr>
+    <a:masterClrMapping/>
+  </p:clrMapOvr>
+  <p:timing>
+    <p:tnLst>
+      <p:par>
+        <p:cTn xmlns:p14="http://schemas.microsoft.com/office/powerpoint/2010/main" id="1" dur="indefinite" restart="never" nodeType="tmRoot"/>
+      </p:par>
+    </p:tnLst>
+  </p:timing>
+</p:sld>
+</file>
+
 <file path=ppt/slides/slide2.xml><?xml version="1.0" encoding="utf-8"?>
 <p:sld xmlns:a="http://schemas.openxmlformats.org/drawingml/2006/main" xmlns:r="http://schemas.openxmlformats.org/officeDocument/2006/relationships" xmlns:p="http://schemas.openxmlformats.org/presentationml/2006/main">
   <p:cSld>
@@ -3708,7 +3888,7 @@
         <p:spPr>
           <a:xfrm>
             <a:off x="571472" y="1700808"/>
-            <a:ext cx="4576592" cy="4585712"/>
+            <a:ext cx="5080648" cy="4585712"/>
           </a:xfrm>
         </p:spPr>
         <p:txBody>
@@ -3736,7 +3916,7 @@
           <a:p>
             <a:r>
               <a:rPr lang="fr-CH" dirty="0" smtClean="0"/>
-              <a:t>JAVA: dépend</a:t>
+              <a:t>JAVA: réalisation dépend</a:t>
             </a:r>
           </a:p>
           <a:p>
@@ -3902,26 +4082,22 @@
             </a:r>
             <a:r>
               <a:rPr lang="fr-CH" dirty="0" smtClean="0"/>
-              <a:t> doit </a:t>
-            </a:r>
-            <a:r>
-              <a:rPr lang="fr-CH" smtClean="0"/>
-              <a:t>conna</a:t>
-            </a:r>
-            <a:r>
-              <a:rPr lang="fr-CH" smtClean="0"/>
+              <a:t> doit conna</a:t>
+            </a:r>
+            <a:r>
+              <a:rPr lang="fr-CH" dirty="0" smtClean="0"/>
               <a:t>ître l’</a:t>
             </a:r>
             <a:r>
-              <a:rPr lang="fr-CH" i="1" smtClean="0"/>
+              <a:rPr lang="fr-CH" i="1" dirty="0" smtClean="0"/>
               <a:t>Avion</a:t>
             </a:r>
             <a:r>
-              <a:rPr lang="fr-CH"/>
+              <a:rPr lang="fr-CH" dirty="0"/>
               <a:t> </a:t>
             </a:r>
             <a:r>
-              <a:rPr lang="fr-CH" smtClean="0"/>
+              <a:rPr lang="fr-CH" dirty="0" smtClean="0"/>
               <a:t>attribué</a:t>
             </a:r>
             <a:endParaRPr lang="fr-CH" dirty="0" smtClean="0"/>
@@ -3930,7 +4106,7 @@
       </p:sp>
       <p:pic>
         <p:nvPicPr>
-          <p:cNvPr id="4" name="Picture 3"/>
+          <p:cNvPr id="6" name="Picture 5"/>
           <p:cNvPicPr>
             <a:picLocks noChangeAspect="1"/>
           </p:cNvPicPr>
@@ -3944,8 +4120,8 @@
         </p:blipFill>
         <p:spPr>
           <a:xfrm>
-            <a:off x="1619672" y="1628800"/>
-            <a:ext cx="5400600" cy="1819982"/>
+            <a:off x="179512" y="1412776"/>
+            <a:ext cx="8676964" cy="2376264"/>
           </a:xfrm>
           <a:prstGeom prst="rect">
             <a:avLst/>
@@ -4003,7 +4179,7 @@
           <a:p>
             <a:r>
               <a:rPr lang="fr-CH" dirty="0" smtClean="0"/>
-              <a:t>Association bidirectionnelle</a:t>
+              <a:t>Direction d’une association - JAVA</a:t>
             </a:r>
             <a:endParaRPr lang="fr-CH" dirty="0"/>
           </a:p>
@@ -4021,24 +4197,113 @@
         </p:nvSpPr>
         <p:spPr>
           <a:xfrm>
-            <a:off x="539552" y="4365104"/>
-            <a:ext cx="8229600" cy="2143140"/>
+            <a:off x="467544" y="4941168"/>
+            <a:ext cx="8229600" cy="1368152"/>
           </a:xfrm>
         </p:spPr>
         <p:txBody>
           <a:bodyPr>
-            <a:normAutofit/>
+            <a:normAutofit fontScale="92500" lnSpcReduction="20000"/>
           </a:bodyPr>
           <a:lstStyle/>
           <a:p>
+            <a:r>
+              <a:rPr lang="fr-CH" dirty="0" smtClean="0"/>
+              <a:t>Dans la classe </a:t>
+            </a:r>
+            <a:r>
+              <a:rPr lang="fr-CH" i="1" dirty="0" smtClean="0"/>
+              <a:t>source </a:t>
+            </a:r>
+            <a:r>
+              <a:rPr lang="fr-CH" dirty="0" smtClean="0"/>
+              <a:t>de l’association:</a:t>
+            </a:r>
+          </a:p>
+          <a:p>
+            <a:pPr lvl="1"/>
+            <a:r>
+              <a:rPr lang="fr-CH" dirty="0" smtClean="0"/>
+              <a:t>Un attribut du type de la classe </a:t>
+            </a:r>
+            <a:r>
+              <a:rPr lang="fr-CH" i="1" dirty="0" smtClean="0"/>
+              <a:t>cible</a:t>
+            </a:r>
+          </a:p>
+          <a:p>
+            <a:r>
+              <a:rPr lang="fr-CH" dirty="0" smtClean="0"/>
+              <a:t>Cet attribut n’appara</a:t>
+            </a:r>
+            <a:r>
+              <a:rPr lang="fr-CH" dirty="0" smtClean="0"/>
+              <a:t>ît </a:t>
+            </a:r>
+            <a:r>
+              <a:rPr lang="fr-CH" b="1" dirty="0" smtClean="0"/>
+              <a:t>pas</a:t>
+            </a:r>
+            <a:r>
+              <a:rPr lang="fr-CH" dirty="0" smtClean="0"/>
+              <a:t> sur le diagramme</a:t>
+            </a:r>
             <a:endParaRPr lang="fr-CH" dirty="0" smtClean="0"/>
           </a:p>
         </p:txBody>
       </p:sp>
+      <p:pic>
+        <p:nvPicPr>
+          <p:cNvPr id="6" name="Picture 5"/>
+          <p:cNvPicPr>
+            <a:picLocks noChangeAspect="1"/>
+          </p:cNvPicPr>
+          <p:nvPr/>
+        </p:nvPicPr>
+        <p:blipFill>
+          <a:blip r:embed="rId3"/>
+          <a:stretch>
+            <a:fillRect/>
+          </a:stretch>
+        </p:blipFill>
+        <p:spPr>
+          <a:xfrm>
+            <a:off x="1115616" y="1196752"/>
+            <a:ext cx="6048671" cy="1599362"/>
+          </a:xfrm>
+          <a:prstGeom prst="rect">
+            <a:avLst/>
+          </a:prstGeom>
+        </p:spPr>
+      </p:pic>
+      <p:pic>
+        <p:nvPicPr>
+          <p:cNvPr id="8" name="Picture 7"/>
+          <p:cNvPicPr>
+            <a:picLocks noChangeAspect="1"/>
+          </p:cNvPicPr>
+          <p:nvPr/>
+        </p:nvPicPr>
+        <p:blipFill>
+          <a:blip r:embed="rId4"/>
+          <a:stretch>
+            <a:fillRect/>
+          </a:stretch>
+        </p:blipFill>
+        <p:spPr>
+          <a:xfrm>
+            <a:off x="899592" y="2708920"/>
+            <a:ext cx="7679656" cy="2185268"/>
+          </a:xfrm>
+          <a:prstGeom prst="rect">
+            <a:avLst/>
+          </a:prstGeom>
+        </p:spPr>
+      </p:pic>
     </p:spTree>
     <p:extLst>
       <p:ext uri="{BB962C8B-B14F-4D97-AF65-F5344CB8AC3E}">
-        <p14:creationId xmlns:p14="http://schemas.microsoft.com/office/powerpoint/2010/main" val="3454316753"/>
+        <p14:creationId xmlns:p14="http://schemas.microsoft.com/office/powerpoint/2010/main" val="2097743742"/>
       </p:ext>
     </p:extLst>
   </p:cSld>
@@ -4089,15 +4354,67 @@
           <a:p>
             <a:r>
               <a:rPr lang="fr-FR" dirty="0" smtClean="0"/>
-              <a:t>Multiplicités</a:t>
+              <a:t>R</a:t>
+            </a:r>
+            <a:r>
+              <a:rPr lang="fr-FR" dirty="0" smtClean="0"/>
+              <a:t>ôles</a:t>
             </a:r>
             <a:endParaRPr lang="fr-FR" dirty="0"/>
           </a:p>
         </p:txBody>
       </p:sp>
-      <p:sp>
-        <p:nvSpPr>
-          <p:cNvPr id="3" name="Content Placeholder 2"/>
+      <p:pic>
+        <p:nvPicPr>
+          <p:cNvPr id="4" name="Picture 3"/>
+          <p:cNvPicPr>
+            <a:picLocks noChangeAspect="1"/>
+          </p:cNvPicPr>
+          <p:nvPr/>
+        </p:nvPicPr>
+        <p:blipFill>
+          <a:blip r:embed="rId2"/>
+          <a:stretch>
+            <a:fillRect/>
+          </a:stretch>
+        </p:blipFill>
+        <p:spPr>
+          <a:xfrm>
+            <a:off x="2123728" y="1196752"/>
+            <a:ext cx="5541485" cy="1728192"/>
+          </a:xfrm>
+          <a:prstGeom prst="rect">
+            <a:avLst/>
+          </a:prstGeom>
+        </p:spPr>
+      </p:pic>
+      <p:pic>
+        <p:nvPicPr>
+          <p:cNvPr id="5" name="Picture 4"/>
+          <p:cNvPicPr>
+            <a:picLocks noChangeAspect="1"/>
+          </p:cNvPicPr>
+          <p:nvPr/>
+        </p:nvPicPr>
+        <p:blipFill>
+          <a:blip r:embed="rId3"/>
+          <a:stretch>
+            <a:fillRect/>
+          </a:stretch>
+        </p:blipFill>
+        <p:spPr>
+          <a:xfrm>
+            <a:off x="2195736" y="2852936"/>
+            <a:ext cx="4928048" cy="1080120"/>
+          </a:xfrm>
+          <a:prstGeom prst="rect">
+            <a:avLst/>
+          </a:prstGeom>
+        </p:spPr>
+      </p:pic>
+      <p:sp>
+        <p:nvSpPr>
+          <p:cNvPr id="6" name="Espace réservé du contenu 2"/>
           <p:cNvSpPr>
             <a:spLocks noGrp="1"/>
           </p:cNvSpPr>
@@ -4105,19 +4422,77 @@
             <p:ph idx="1"/>
           </p:nvPr>
         </p:nvSpPr>
-        <p:spPr/>
-        <p:txBody>
-          <a:bodyPr/>
-          <a:lstStyle/>
-          <a:p>
-            <a:endParaRPr lang="fr-FR"/>
+        <p:spPr>
+          <a:xfrm>
+            <a:off x="323528" y="4077072"/>
+            <a:ext cx="8445624" cy="2431172"/>
+          </a:xfrm>
+        </p:spPr>
+        <p:txBody>
+          <a:bodyPr>
+            <a:normAutofit fontScale="92500" lnSpcReduction="10000"/>
+          </a:bodyPr>
+          <a:lstStyle/>
+          <a:p>
+            <a:r>
+              <a:rPr lang="fr-FR" dirty="0" smtClean="0"/>
+              <a:t>UML: libellé au bout de la flèche</a:t>
+            </a:r>
+          </a:p>
+          <a:p>
+            <a:r>
+              <a:rPr lang="fr-FR" dirty="0" smtClean="0"/>
+              <a:t>JAVA: attribut portant le nom du rôle</a:t>
+            </a:r>
+            <a:endParaRPr lang="fr-FR" dirty="0" smtClean="0"/>
+          </a:p>
+          <a:p>
+            <a:r>
+              <a:rPr lang="fr-FR" i="1" dirty="0" smtClean="0"/>
+              <a:t>départ</a:t>
+            </a:r>
+            <a:r>
+              <a:rPr lang="fr-FR" dirty="0" smtClean="0"/>
+              <a:t> et </a:t>
+            </a:r>
+            <a:r>
+              <a:rPr lang="fr-FR" i="1" dirty="0" smtClean="0"/>
+              <a:t>arrivée</a:t>
+            </a:r>
+            <a:r>
+              <a:rPr lang="fr-FR" dirty="0" smtClean="0"/>
+              <a:t> ne sont pas le même aéroport</a:t>
+            </a:r>
+          </a:p>
+          <a:p>
+            <a:r>
+              <a:rPr lang="fr-FR" dirty="0" smtClean="0"/>
+              <a:t>Mais chaque aéroport peut à la fois être </a:t>
+            </a:r>
+            <a:r>
+              <a:rPr lang="fr-FR" i="1" dirty="0" smtClean="0"/>
+              <a:t>départ</a:t>
+            </a:r>
+            <a:r>
+              <a:rPr lang="fr-FR" dirty="0" smtClean="0"/>
+              <a:t> et/ou </a:t>
+            </a:r>
+            <a:r>
+              <a:rPr lang="fr-FR" i="1" dirty="0" smtClean="0"/>
+              <a:t>arrivée</a:t>
+            </a:r>
+            <a:r>
+              <a:rPr lang="fr-FR" dirty="0" smtClean="0"/>
+              <a:t> de plusieurs vols</a:t>
+            </a:r>
+            <a:endParaRPr lang="fr-FR" dirty="0" smtClean="0"/>
           </a:p>
         </p:txBody>
       </p:sp>
     </p:spTree>
     <p:extLst>
       <p:ext uri="{BB962C8B-B14F-4D97-AF65-F5344CB8AC3E}">
-        <p14:creationId xmlns:p14="http://schemas.microsoft.com/office/powerpoint/2010/main" val="3468171013"/>
+        <p14:creationId xmlns:p14="http://schemas.microsoft.com/office/powerpoint/2010/main" val="4095658630"/>
       </p:ext>
     </p:extLst>
   </p:cSld>
@@ -4161,39 +4536,85 @@
           <a:p>
             <a:r>
               <a:rPr lang="fr-FR" dirty="0" smtClean="0"/>
-              <a:t>R</a:t>
-            </a:r>
+              <a:t>Exercice - 1</a:t>
+            </a:r>
+            <a:endParaRPr lang="fr-FR" dirty="0"/>
+          </a:p>
+        </p:txBody>
+      </p:sp>
+      <p:sp>
+        <p:nvSpPr>
+          <p:cNvPr id="3" name="Content Placeholder 2"/>
+          <p:cNvSpPr>
+            <a:spLocks noGrp="1"/>
+          </p:cNvSpPr>
+          <p:nvPr>
+            <p:ph idx="1"/>
+          </p:nvPr>
+        </p:nvSpPr>
+        <p:spPr/>
+        <p:txBody>
+          <a:bodyPr/>
+          <a:lstStyle/>
+          <a:p>
             <a:r>
               <a:rPr lang="fr-FR" dirty="0" smtClean="0"/>
-              <a:t>ôles</a:t>
+              <a:t>Reproduisez le diagramme suivant en </a:t>
+            </a:r>
+            <a:r>
+              <a:rPr lang="fr-FR" dirty="0" err="1" smtClean="0"/>
+              <a:t>PlantUML</a:t>
+            </a:r>
+            <a:endParaRPr lang="fr-FR" dirty="0" smtClean="0"/>
+          </a:p>
+          <a:p>
+            <a:r>
+              <a:rPr lang="fr-FR" dirty="0" smtClean="0"/>
+              <a:t>Implémentez les classes correspondantes en JAVA</a:t>
+            </a:r>
+          </a:p>
+          <a:p>
+            <a:pPr lvl="1"/>
+            <a:r>
+              <a:rPr lang="fr-FR" dirty="0" smtClean="0"/>
+              <a:t>compilez et testez avec une classe </a:t>
+            </a:r>
+            <a:r>
+              <a:rPr lang="fr-FR" i="1" dirty="0" smtClean="0"/>
+              <a:t>main</a:t>
             </a:r>
             <a:endParaRPr lang="fr-FR" dirty="0"/>
           </a:p>
         </p:txBody>
       </p:sp>
-      <p:sp>
-        <p:nvSpPr>
-          <p:cNvPr id="3" name="Content Placeholder 2"/>
-          <p:cNvSpPr>
-            <a:spLocks noGrp="1"/>
-          </p:cNvSpPr>
-          <p:nvPr>
-            <p:ph idx="1"/>
-          </p:nvPr>
-        </p:nvSpPr>
-        <p:spPr/>
-        <p:txBody>
-          <a:bodyPr/>
-          <a:lstStyle/>
-          <a:p>
-            <a:endParaRPr lang="fr-FR"/>
-          </a:p>
-        </p:txBody>
-      </p:sp>
+      <p:pic>
+        <p:nvPicPr>
+          <p:cNvPr id="5" name="Picture 4"/>
+          <p:cNvPicPr>
+            <a:picLocks noChangeAspect="1"/>
+          </p:cNvPicPr>
+          <p:nvPr/>
+        </p:nvPicPr>
+        <p:blipFill>
+          <a:blip r:embed="rId2"/>
+          <a:stretch>
+            <a:fillRect/>
+          </a:stretch>
+        </p:blipFill>
+        <p:spPr>
+          <a:xfrm>
+            <a:off x="110054" y="4365104"/>
+            <a:ext cx="9004784" cy="2160396"/>
+          </a:xfrm>
+          <a:prstGeom prst="rect">
+            <a:avLst/>
+          </a:prstGeom>
+        </p:spPr>
+      </p:pic>
     </p:spTree>
     <p:extLst>
       <p:ext uri="{BB962C8B-B14F-4D97-AF65-F5344CB8AC3E}">
-        <p14:creationId xmlns:p14="http://schemas.microsoft.com/office/powerpoint/2010/main" val="4095658630"/>
+        <p14:creationId xmlns:p14="http://schemas.microsoft.com/office/powerpoint/2010/main" val="880760444"/>
       </p:ext>
     </p:extLst>
   </p:cSld>
@@ -4222,6 +4643,455 @@
       </p:grpSpPr>
       <p:sp>
         <p:nvSpPr>
+          <p:cNvPr id="2" name="Title 1"/>
+          <p:cNvSpPr>
+            <a:spLocks noGrp="1"/>
+          </p:cNvSpPr>
+          <p:nvPr>
+            <p:ph type="title"/>
+          </p:nvPr>
+        </p:nvSpPr>
+        <p:spPr/>
+        <p:txBody>
+          <a:bodyPr/>
+          <a:lstStyle/>
+          <a:p>
+            <a:r>
+              <a:rPr lang="fr-FR" dirty="0" smtClean="0"/>
+              <a:t>Multiplicités</a:t>
+            </a:r>
+            <a:endParaRPr lang="fr-FR" dirty="0"/>
+          </a:p>
+        </p:txBody>
+      </p:sp>
+      <p:sp>
+        <p:nvSpPr>
+          <p:cNvPr id="6" name="Espace réservé du contenu 2"/>
+          <p:cNvSpPr txBox="1">
+            <a:spLocks/>
+          </p:cNvSpPr>
+          <p:nvPr/>
+        </p:nvSpPr>
+        <p:spPr>
+          <a:xfrm>
+            <a:off x="539552" y="4365104"/>
+            <a:ext cx="8229600" cy="2143140"/>
+          </a:xfrm>
+          <a:prstGeom prst="rect">
+            <a:avLst/>
+          </a:prstGeom>
+        </p:spPr>
+        <p:txBody>
+          <a:bodyPr vert="horz" lIns="91440" tIns="45720" rIns="91440" bIns="45720" rtlCol="0">
+            <a:normAutofit fontScale="92500" lnSpcReduction="20000"/>
+          </a:bodyPr>
+          <a:lstStyle>
+            <a:lvl1pPr marL="342900" indent="-342900" algn="l" defTabSz="914400" rtl="0" eaLnBrk="1" latinLnBrk="0" hangingPunct="1">
+              <a:spcBef>
+                <a:spcPct val="20000"/>
+              </a:spcBef>
+              <a:buFont typeface="Arial" pitchFamily="34" charset="0"/>
+              <a:buChar char="•"/>
+              <a:defRPr sz="3200" kern="1200">
+                <a:solidFill>
+                  <a:schemeClr val="tx1"/>
+                </a:solidFill>
+                <a:latin typeface="+mn-lt"/>
+                <a:ea typeface="+mn-ea"/>
+                <a:cs typeface="+mn-cs"/>
+              </a:defRPr>
+            </a:lvl1pPr>
+            <a:lvl2pPr marL="742950" indent="-285750" algn="l" defTabSz="914400" rtl="0" eaLnBrk="1" latinLnBrk="0" hangingPunct="1">
+              <a:spcBef>
+                <a:spcPct val="20000"/>
+              </a:spcBef>
+              <a:buFont typeface="Arial" pitchFamily="34" charset="0"/>
+              <a:buChar char="–"/>
+              <a:defRPr sz="2800" kern="1200">
+                <a:solidFill>
+                  <a:schemeClr val="tx1"/>
+                </a:solidFill>
+                <a:latin typeface="+mn-lt"/>
+                <a:ea typeface="+mn-ea"/>
+                <a:cs typeface="+mn-cs"/>
+              </a:defRPr>
+            </a:lvl2pPr>
+            <a:lvl3pPr marL="1143000" indent="-228600" algn="l" defTabSz="914400" rtl="0" eaLnBrk="1" latinLnBrk="0" hangingPunct="1">
+              <a:spcBef>
+                <a:spcPct val="20000"/>
+              </a:spcBef>
+              <a:buFont typeface="Arial" pitchFamily="34" charset="0"/>
+              <a:buChar char="•"/>
+              <a:defRPr sz="2400" kern="1200">
+                <a:solidFill>
+                  <a:schemeClr val="tx1"/>
+                </a:solidFill>
+                <a:latin typeface="+mn-lt"/>
+                <a:ea typeface="+mn-ea"/>
+                <a:cs typeface="+mn-cs"/>
+              </a:defRPr>
+            </a:lvl3pPr>
+            <a:lvl4pPr marL="1600200" indent="-228600" algn="l" defTabSz="914400" rtl="0" eaLnBrk="1" latinLnBrk="0" hangingPunct="1">
+              <a:spcBef>
+                <a:spcPct val="20000"/>
+              </a:spcBef>
+              <a:buFont typeface="Arial" pitchFamily="34" charset="0"/>
+              <a:buChar char="–"/>
+              <a:defRPr sz="2000" kern="1200">
+                <a:solidFill>
+                  <a:schemeClr val="tx1"/>
+                </a:solidFill>
+                <a:latin typeface="+mn-lt"/>
+                <a:ea typeface="+mn-ea"/>
+                <a:cs typeface="+mn-cs"/>
+              </a:defRPr>
+            </a:lvl4pPr>
+            <a:lvl5pPr marL="2057400" indent="-228600" algn="l" defTabSz="914400" rtl="0" eaLnBrk="1" latinLnBrk="0" hangingPunct="1">
+              <a:spcBef>
+                <a:spcPct val="20000"/>
+              </a:spcBef>
+              <a:buFont typeface="Arial" pitchFamily="34" charset="0"/>
+              <a:buChar char="»"/>
+              <a:defRPr sz="2000" kern="1200">
+                <a:solidFill>
+                  <a:schemeClr val="tx1"/>
+                </a:solidFill>
+                <a:latin typeface="+mn-lt"/>
+                <a:ea typeface="+mn-ea"/>
+                <a:cs typeface="+mn-cs"/>
+              </a:defRPr>
+            </a:lvl5pPr>
+            <a:lvl6pPr marL="2514600" indent="-228600" algn="l" defTabSz="914400" rtl="0" eaLnBrk="1" latinLnBrk="0" hangingPunct="1">
+              <a:spcBef>
+                <a:spcPct val="20000"/>
+              </a:spcBef>
+              <a:buFont typeface="Arial" pitchFamily="34" charset="0"/>
+              <a:buChar char="•"/>
+              <a:defRPr sz="2000" kern="1200">
+                <a:solidFill>
+                  <a:schemeClr val="tx1"/>
+                </a:solidFill>
+                <a:latin typeface="+mn-lt"/>
+                <a:ea typeface="+mn-ea"/>
+                <a:cs typeface="+mn-cs"/>
+              </a:defRPr>
+            </a:lvl6pPr>
+            <a:lvl7pPr marL="2971800" indent="-228600" algn="l" defTabSz="914400" rtl="0" eaLnBrk="1" latinLnBrk="0" hangingPunct="1">
+              <a:spcBef>
+                <a:spcPct val="20000"/>
+              </a:spcBef>
+              <a:buFont typeface="Arial" pitchFamily="34" charset="0"/>
+              <a:buChar char="•"/>
+              <a:defRPr sz="2000" kern="1200">
+                <a:solidFill>
+                  <a:schemeClr val="tx1"/>
+                </a:solidFill>
+                <a:latin typeface="+mn-lt"/>
+                <a:ea typeface="+mn-ea"/>
+                <a:cs typeface="+mn-cs"/>
+              </a:defRPr>
+            </a:lvl7pPr>
+            <a:lvl8pPr marL="3429000" indent="-228600" algn="l" defTabSz="914400" rtl="0" eaLnBrk="1" latinLnBrk="0" hangingPunct="1">
+              <a:spcBef>
+                <a:spcPct val="20000"/>
+              </a:spcBef>
+              <a:buFont typeface="Arial" pitchFamily="34" charset="0"/>
+              <a:buChar char="•"/>
+              <a:defRPr sz="2000" kern="1200">
+                <a:solidFill>
+                  <a:schemeClr val="tx1"/>
+                </a:solidFill>
+                <a:latin typeface="+mn-lt"/>
+                <a:ea typeface="+mn-ea"/>
+                <a:cs typeface="+mn-cs"/>
+              </a:defRPr>
+            </a:lvl8pPr>
+            <a:lvl9pPr marL="3886200" indent="-228600" algn="l" defTabSz="914400" rtl="0" eaLnBrk="1" latinLnBrk="0" hangingPunct="1">
+              <a:spcBef>
+                <a:spcPct val="20000"/>
+              </a:spcBef>
+              <a:buFont typeface="Arial" pitchFamily="34" charset="0"/>
+              <a:buChar char="•"/>
+              <a:defRPr sz="2000" kern="1200">
+                <a:solidFill>
+                  <a:schemeClr val="tx1"/>
+                </a:solidFill>
+                <a:latin typeface="+mn-lt"/>
+                <a:ea typeface="+mn-ea"/>
+                <a:cs typeface="+mn-cs"/>
+              </a:defRPr>
+            </a:lvl9pPr>
+          </a:lstStyle>
+          <a:p>
+            <a:r>
+              <a:rPr lang="fr-CH" dirty="0" smtClean="0"/>
+              <a:t>Association à « 1 » ou « 0..1 »: </a:t>
+            </a:r>
+            <a:r>
+              <a:rPr lang="en-US" dirty="0"/>
+              <a:t>a</a:t>
+            </a:r>
+            <a:r>
+              <a:rPr lang="fr-CH" dirty="0" smtClean="0"/>
+              <a:t>ttribut simple</a:t>
+            </a:r>
+          </a:p>
+          <a:p>
+            <a:r>
+              <a:rPr lang="fr-CH" dirty="0" smtClean="0"/>
+              <a:t>Association à « N », avec </a:t>
+            </a:r>
+            <a:r>
+              <a:rPr lang="fr-CH" dirty="0" smtClean="0"/>
+              <a:t>N &gt; 1</a:t>
+            </a:r>
+          </a:p>
+          <a:p>
+            <a:pPr lvl="1"/>
+            <a:r>
+              <a:rPr lang="fr-CH" dirty="0" smtClean="0"/>
+              <a:t>Possible: tableau</a:t>
+            </a:r>
+          </a:p>
+          <a:p>
+            <a:pPr lvl="1"/>
+            <a:r>
+              <a:rPr lang="fr-CH" dirty="0" smtClean="0"/>
+              <a:t>Mieux: une classe du framework des collections</a:t>
+            </a:r>
+          </a:p>
+          <a:p>
+            <a:pPr lvl="1"/>
+            <a:r>
+              <a:rPr lang="fr-CH" dirty="0"/>
+              <a:t>Nom de l’attribut au pluriel </a:t>
+            </a:r>
+            <a:r>
+              <a:rPr lang="fr-CH" dirty="0" smtClean="0"/>
+              <a:t> </a:t>
+            </a:r>
+            <a:endParaRPr lang="fr-CH" dirty="0" smtClean="0"/>
+          </a:p>
+        </p:txBody>
+      </p:sp>
+      <p:pic>
+        <p:nvPicPr>
+          <p:cNvPr id="7" name="Picture 6"/>
+          <p:cNvPicPr>
+            <a:picLocks noChangeAspect="1"/>
+          </p:cNvPicPr>
+          <p:nvPr/>
+        </p:nvPicPr>
+        <p:blipFill>
+          <a:blip r:embed="rId2"/>
+          <a:stretch>
+            <a:fillRect/>
+          </a:stretch>
+        </p:blipFill>
+        <p:spPr>
+          <a:xfrm>
+            <a:off x="4427984" y="1628800"/>
+            <a:ext cx="3907217" cy="864096"/>
+          </a:xfrm>
+          <a:prstGeom prst="rect">
+            <a:avLst/>
+          </a:prstGeom>
+        </p:spPr>
+      </p:pic>
+      <p:pic>
+        <p:nvPicPr>
+          <p:cNvPr id="8" name="Picture 7"/>
+          <p:cNvPicPr>
+            <a:picLocks noChangeAspect="1"/>
+          </p:cNvPicPr>
+          <p:nvPr/>
+        </p:nvPicPr>
+        <p:blipFill>
+          <a:blip r:embed="rId3"/>
+          <a:stretch>
+            <a:fillRect/>
+          </a:stretch>
+        </p:blipFill>
+        <p:spPr>
+          <a:xfrm>
+            <a:off x="467544" y="1340768"/>
+            <a:ext cx="3888432" cy="3127351"/>
+          </a:xfrm>
+          <a:prstGeom prst="rect">
+            <a:avLst/>
+          </a:prstGeom>
+        </p:spPr>
+      </p:pic>
+      <p:pic>
+        <p:nvPicPr>
+          <p:cNvPr id="10" name="Picture 9"/>
+          <p:cNvPicPr>
+            <a:picLocks noChangeAspect="1"/>
+          </p:cNvPicPr>
+          <p:nvPr/>
+        </p:nvPicPr>
+        <p:blipFill>
+          <a:blip r:embed="rId4"/>
+          <a:stretch>
+            <a:fillRect/>
+          </a:stretch>
+        </p:blipFill>
+        <p:spPr>
+          <a:xfrm>
+            <a:off x="3275856" y="3068960"/>
+            <a:ext cx="5441105" cy="936104"/>
+          </a:xfrm>
+          <a:prstGeom prst="rect">
+            <a:avLst/>
+          </a:prstGeom>
+        </p:spPr>
+      </p:pic>
+    </p:spTree>
+    <p:extLst>
+      <p:ext uri="{BB962C8B-B14F-4D97-AF65-F5344CB8AC3E}">
+        <p14:creationId xmlns:p14="http://schemas.microsoft.com/office/powerpoint/2010/main" val="3468171013"/>
+      </p:ext>
+    </p:extLst>
+  </p:cSld>
+  <p:clrMapOvr>
+    <a:masterClrMapping/>
+  </p:clrMapOvr>
+</p:sld>
+</file>
+
+<file path=ppt/slides/slide8.xml><?xml version="1.0" encoding="utf-8"?>
+<p:sld xmlns:a="http://schemas.openxmlformats.org/drawingml/2006/main" xmlns:r="http://schemas.openxmlformats.org/officeDocument/2006/relationships" xmlns:p="http://schemas.openxmlformats.org/presentationml/2006/main">
+  <p:cSld>
+    <p:spTree>
+      <p:nvGrpSpPr>
+        <p:cNvPr id="1" name=""/>
+        <p:cNvGrpSpPr/>
+        <p:nvPr/>
+      </p:nvGrpSpPr>
+      <p:grpSpPr>
+        <a:xfrm>
+          <a:off x="0" y="0"/>
+          <a:ext cx="0" cy="0"/>
+          <a:chOff x="0" y="0"/>
+          <a:chExt cx="0" cy="0"/>
+        </a:xfrm>
+      </p:grpSpPr>
+      <p:sp>
+        <p:nvSpPr>
+          <p:cNvPr id="2" name="Title 1"/>
+          <p:cNvSpPr>
+            <a:spLocks noGrp="1"/>
+          </p:cNvSpPr>
+          <p:nvPr>
+            <p:ph type="title"/>
+          </p:nvPr>
+        </p:nvSpPr>
+        <p:spPr/>
+        <p:txBody>
+          <a:bodyPr/>
+          <a:lstStyle/>
+          <a:p>
+            <a:r>
+              <a:rPr lang="fr-FR" dirty="0" smtClean="0"/>
+              <a:t>Exercice - 2</a:t>
+            </a:r>
+            <a:endParaRPr lang="fr-FR" dirty="0"/>
+          </a:p>
+        </p:txBody>
+      </p:sp>
+      <p:sp>
+        <p:nvSpPr>
+          <p:cNvPr id="3" name="Content Placeholder 2"/>
+          <p:cNvSpPr>
+            <a:spLocks noGrp="1"/>
+          </p:cNvSpPr>
+          <p:nvPr>
+            <p:ph idx="1"/>
+          </p:nvPr>
+        </p:nvSpPr>
+        <p:spPr/>
+        <p:txBody>
+          <a:bodyPr/>
+          <a:lstStyle/>
+          <a:p>
+            <a:r>
+              <a:rPr lang="fr-FR" dirty="0" smtClean="0"/>
+              <a:t>Complétez l’exercice 1 (UML &amp; JAVA)</a:t>
+            </a:r>
+          </a:p>
+          <a:p>
+            <a:r>
+              <a:rPr lang="fr-FR" dirty="0"/>
+              <a:t>C</a:t>
+            </a:r>
+            <a:r>
+              <a:rPr lang="fr-FR" dirty="0" smtClean="0"/>
+              <a:t>ompilez et testez avec une classe </a:t>
+            </a:r>
+            <a:r>
+              <a:rPr lang="fr-FR" i="1" dirty="0" smtClean="0"/>
+              <a:t>main</a:t>
+            </a:r>
+            <a:endParaRPr lang="fr-FR" dirty="0"/>
+          </a:p>
+        </p:txBody>
+      </p:sp>
+      <p:pic>
+        <p:nvPicPr>
+          <p:cNvPr id="6" name="Picture 5"/>
+          <p:cNvPicPr>
+            <a:picLocks noChangeAspect="1"/>
+          </p:cNvPicPr>
+          <p:nvPr/>
+        </p:nvPicPr>
+        <p:blipFill>
+          <a:blip r:embed="rId2"/>
+          <a:stretch>
+            <a:fillRect/>
+          </a:stretch>
+        </p:blipFill>
+        <p:spPr>
+          <a:xfrm>
+            <a:off x="755576" y="2780928"/>
+            <a:ext cx="7632848" cy="3774485"/>
+          </a:xfrm>
+          <a:prstGeom prst="rect">
+            <a:avLst/>
+          </a:prstGeom>
+        </p:spPr>
+      </p:pic>
+    </p:spTree>
+    <p:extLst>
+      <p:ext uri="{BB962C8B-B14F-4D97-AF65-F5344CB8AC3E}">
+        <p14:creationId xmlns:p14="http://schemas.microsoft.com/office/powerpoint/2010/main" val="2087532662"/>
+      </p:ext>
+    </p:extLst>
+  </p:cSld>
+  <p:clrMapOvr>
+    <a:masterClrMapping/>
+  </p:clrMapOvr>
+</p:sld>
+</file>
+
+<file path=ppt/slides/slide9.xml><?xml version="1.0" encoding="utf-8"?>
+<p:sld xmlns:a="http://schemas.openxmlformats.org/drawingml/2006/main" xmlns:r="http://schemas.openxmlformats.org/officeDocument/2006/relationships" xmlns:p="http://schemas.openxmlformats.org/presentationml/2006/main">
+  <p:cSld>
+    <p:spTree>
+      <p:nvGrpSpPr>
+        <p:cNvPr id="1" name=""/>
+        <p:cNvGrpSpPr/>
+        <p:nvPr/>
+      </p:nvGrpSpPr>
+      <p:grpSpPr>
+        <a:xfrm>
+          <a:off x="0" y="0"/>
+          <a:ext cx="0" cy="0"/>
+          <a:chOff x="0" y="0"/>
+          <a:chExt cx="0" cy="0"/>
+        </a:xfrm>
+      </p:grpSpPr>
+      <p:sp>
+        <p:nvSpPr>
           <p:cNvPr id="2" name="Titre 1"/>
           <p:cNvSpPr>
             <a:spLocks noGrp="1"/>
@@ -4237,7 +5107,11 @@
           <a:p>
             <a:r>
               <a:rPr lang="fr-CH" dirty="0" smtClean="0"/>
-              <a:t>Exercice - 1</a:t>
+              <a:t>Exercice - </a:t>
+            </a:r>
+            <a:r>
+              <a:rPr lang="fr-CH" dirty="0"/>
+              <a:t>3</a:t>
             </a:r>
             <a:endParaRPr lang="fr-CH" dirty="0"/>
           </a:p>
@@ -4255,47 +5129,76 @@
         </p:nvSpPr>
         <p:spPr/>
         <p:txBody>
-          <a:bodyPr/>
+          <a:bodyPr>
+            <a:normAutofit fontScale="85000" lnSpcReduction="20000"/>
+          </a:bodyPr>
           <a:lstStyle/>
           <a:p>
             <a:r>
               <a:rPr lang="fr-CH" dirty="0" smtClean="0"/>
-              <a:t>Rajoutez des constructeurs à tous les classes de la hierarchie des commandes</a:t>
-            </a:r>
-          </a:p>
-          <a:p>
+              <a:t>Complétez votre diagramme de classe SMSPay en rajoutant les classes suivantes:</a:t>
+            </a:r>
+          </a:p>
+          <a:p>
+            <a:pPr lvl="1"/>
+            <a:r>
+              <a:rPr lang="fr-CH" i="1" dirty="0" smtClean="0"/>
+              <a:t>AccountingSystemProxy </a:t>
+            </a:r>
             <a:r>
               <a:rPr lang="fr-CH" dirty="0" smtClean="0"/>
-              <a:t>Créez une méthode </a:t>
-            </a:r>
+              <a:t>permet d’accéder au système comptable</a:t>
+            </a:r>
+          </a:p>
+          <a:p>
+            <a:pPr lvl="1"/>
             <a:r>
               <a:rPr lang="fr-CH" i="1" dirty="0" smtClean="0"/>
-              <a:t>main </a:t>
+              <a:t>CommandHistory </a:t>
             </a:r>
             <a:r>
               <a:rPr lang="fr-CH" dirty="0" smtClean="0"/>
-              <a:t>pour tester vos constructeurs</a:t>
-            </a:r>
-          </a:p>
-          <a:p>
+              <a:t>gère l’historique de toutes les opérations effectuées dans SMSPay</a:t>
+            </a:r>
+          </a:p>
+          <a:p>
+            <a:pPr lvl="1"/>
+            <a:r>
+              <a:rPr lang="fr-CH" i="1" dirty="0" smtClean="0"/>
+              <a:t>ClientDataAccessObject </a:t>
+            </a:r>
             <a:r>
               <a:rPr lang="fr-CH" dirty="0" smtClean="0"/>
-              <a:t>Pouvez-vous appeler le constructeur de la classe </a:t>
+              <a:t>permet d’accéder aux données clients de SMSPay</a:t>
+            </a:r>
+          </a:p>
+          <a:p>
+            <a:r>
+              <a:rPr lang="fr-CH" dirty="0" smtClean="0"/>
+              <a:t>Trouvez les associations entre les classes « </a:t>
             </a:r>
             <a:r>
               <a:rPr lang="fr-CH" i="1" dirty="0" smtClean="0"/>
-              <a:t>Command</a:t>
+              <a:t>Command » </a:t>
             </a:r>
             <a:r>
               <a:rPr lang="fr-CH" dirty="0" smtClean="0"/>
-              <a:t>?</a:t>
+              <a:t>et ces nouvelles classes</a:t>
             </a:r>
           </a:p>
           <a:p>
             <a:r>
               <a:rPr lang="fr-CH" dirty="0" smtClean="0"/>
-              <a:t>PlantUML &amp; JAVA</a:t>
-            </a:r>
+              <a:t>Il y a-t-il d’autres associations?</a:t>
+            </a:r>
+            <a:endParaRPr lang="fr-CH" dirty="0" smtClean="0"/>
+          </a:p>
+          <a:p>
+            <a:r>
+              <a:rPr lang="fr-CH" dirty="0" smtClean="0"/>
+              <a:t>PlantUML &amp; Java</a:t>
+            </a:r>
+            <a:endParaRPr lang="fr-CH" dirty="0" smtClean="0"/>
           </a:p>
         </p:txBody>
       </p:sp>
